--- a/Documents/OriginFormat/[超訳]CMMC_v1.0_Public_Briefing_20200131_v2.pptx
+++ b/Documents/OriginFormat/[超訳]CMMC_v1.0_Public_Briefing_20200131_v2.pptx
@@ -3044,7 +3044,7 @@
                 <a:ea typeface="BIZ UDPゴシック" panose="020B0400000000000000" charset="-128"/>
                 <a:cs typeface="BIZ UDPゴシック" panose="020B0400000000000000" charset="-128"/>
               </a:rPr>
-              <a:t>    機密情報の管理</a:t>
+              <a:t>    管理されていない機密情報</a:t>
             </a:r>
             <a:endParaRPr lang="ja-JP" altLang="en-US" sz="1200">
               <a:latin typeface="BIZ UDPゴシック" panose="020B0400000000000000" charset="-128"/>
